--- a/final/report/assets/figure.pptx
+++ b/final/report/assets/figure.pptx
@@ -8,6 +8,9 @@
     <p:sldId id="256" r:id="rId2"/>
     <p:sldId id="257" r:id="rId3"/>
     <p:sldId id="258" r:id="rId4"/>
+    <p:sldId id="259" r:id="rId5"/>
+    <p:sldId id="260" r:id="rId6"/>
+    <p:sldId id="261" r:id="rId7"/>
   </p:sldIdLst>
   <p:sldSz cx="12192000" cy="6858000"/>
   <p:notesSz cx="6858000" cy="9144000"/>
@@ -4083,6 +4086,528 @@
 </p:sld>
 </file>
 
+<file path=ppt/slides/slide4.xml><?xml version="1.0" encoding="utf-8"?>
+<p:sld xmlns:a="http://schemas.openxmlformats.org/drawingml/2006/main" xmlns:r="http://schemas.openxmlformats.org/officeDocument/2006/relationships" xmlns:p="http://schemas.openxmlformats.org/presentationml/2006/main">
+  <p:cSld>
+    <p:spTree>
+      <p:nvGrpSpPr>
+        <p:cNvPr id="1" name=""/>
+        <p:cNvGrpSpPr/>
+        <p:nvPr/>
+      </p:nvGrpSpPr>
+      <p:grpSpPr>
+        <a:xfrm>
+          <a:off x="0" y="0"/>
+          <a:ext cx="0" cy="0"/>
+          <a:chOff x="0" y="0"/>
+          <a:chExt cx="0" cy="0"/>
+        </a:xfrm>
+      </p:grpSpPr>
+      <p:pic>
+        <p:nvPicPr>
+          <p:cNvPr id="3" name="Picture 2" descr="A close up of a map&#10;&#10;Description automatically generated">
+            <a:extLst>
+              <a:ext uri="{FF2B5EF4-FFF2-40B4-BE49-F238E27FC236}">
+                <a16:creationId xmlns:a16="http://schemas.microsoft.com/office/drawing/2014/main" id="{9E6CDDFA-F34C-460F-A4E2-DD000EE7309A}"/>
+              </a:ext>
+            </a:extLst>
+          </p:cNvPr>
+          <p:cNvPicPr>
+            <a:picLocks noChangeAspect="1"/>
+          </p:cNvPicPr>
+          <p:nvPr/>
+        </p:nvPicPr>
+        <p:blipFill>
+          <a:blip r:embed="rId2">
+            <a:extLst>
+              <a:ext uri="{28A0092B-C50C-407E-A947-70E740481C1C}">
+                <a14:useLocalDpi xmlns:a14="http://schemas.microsoft.com/office/drawing/2010/main" val="0"/>
+              </a:ext>
+            </a:extLst>
+          </a:blip>
+          <a:stretch>
+            <a:fillRect/>
+          </a:stretch>
+        </p:blipFill>
+        <p:spPr>
+          <a:xfrm>
+            <a:off x="375131" y="169979"/>
+            <a:ext cx="3657600" cy="2743200"/>
+          </a:xfrm>
+          <a:prstGeom prst="rect">
+            <a:avLst/>
+          </a:prstGeom>
+        </p:spPr>
+      </p:pic>
+      <p:pic>
+        <p:nvPicPr>
+          <p:cNvPr id="5" name="Picture 4" descr="A close up of a piece of paper&#10;&#10;Description automatically generated">
+            <a:extLst>
+              <a:ext uri="{FF2B5EF4-FFF2-40B4-BE49-F238E27FC236}">
+                <a16:creationId xmlns:a16="http://schemas.microsoft.com/office/drawing/2014/main" id="{5A3654BB-7D29-4A47-8194-2A4A42357FC3}"/>
+              </a:ext>
+            </a:extLst>
+          </p:cNvPr>
+          <p:cNvPicPr>
+            <a:picLocks noChangeAspect="1"/>
+          </p:cNvPicPr>
+          <p:nvPr/>
+        </p:nvPicPr>
+        <p:blipFill>
+          <a:blip r:embed="rId3">
+            <a:extLst>
+              <a:ext uri="{28A0092B-C50C-407E-A947-70E740481C1C}">
+                <a14:useLocalDpi xmlns:a14="http://schemas.microsoft.com/office/drawing/2010/main" val="0"/>
+              </a:ext>
+            </a:extLst>
+          </a:blip>
+          <a:stretch>
+            <a:fillRect/>
+          </a:stretch>
+        </p:blipFill>
+        <p:spPr>
+          <a:xfrm>
+            <a:off x="3915493" y="169979"/>
+            <a:ext cx="3657600" cy="2743200"/>
+          </a:xfrm>
+          <a:prstGeom prst="rect">
+            <a:avLst/>
+          </a:prstGeom>
+        </p:spPr>
+      </p:pic>
+      <p:pic>
+        <p:nvPicPr>
+          <p:cNvPr id="7" name="Picture 6" descr="A close up of a device&#10;&#10;Description automatically generated">
+            <a:extLst>
+              <a:ext uri="{FF2B5EF4-FFF2-40B4-BE49-F238E27FC236}">
+                <a16:creationId xmlns:a16="http://schemas.microsoft.com/office/drawing/2014/main" id="{FC467659-6D3E-4F86-AD02-87868A631E1A}"/>
+              </a:ext>
+            </a:extLst>
+          </p:cNvPr>
+          <p:cNvPicPr>
+            <a:picLocks noChangeAspect="1"/>
+          </p:cNvPicPr>
+          <p:nvPr/>
+        </p:nvPicPr>
+        <p:blipFill>
+          <a:blip r:embed="rId4">
+            <a:extLst>
+              <a:ext uri="{28A0092B-C50C-407E-A947-70E740481C1C}">
+                <a14:useLocalDpi xmlns:a14="http://schemas.microsoft.com/office/drawing/2010/main" val="0"/>
+              </a:ext>
+            </a:extLst>
+          </a:blip>
+          <a:stretch>
+            <a:fillRect/>
+          </a:stretch>
+        </p:blipFill>
+        <p:spPr>
+          <a:xfrm>
+            <a:off x="7573093" y="169979"/>
+            <a:ext cx="3657600" cy="2743200"/>
+          </a:xfrm>
+          <a:prstGeom prst="rect">
+            <a:avLst/>
+          </a:prstGeom>
+        </p:spPr>
+      </p:pic>
+      <p:sp>
+        <p:nvSpPr>
+          <p:cNvPr id="8" name="TextBox 7">
+            <a:extLst>
+              <a:ext uri="{FF2B5EF4-FFF2-40B4-BE49-F238E27FC236}">
+                <a16:creationId xmlns:a16="http://schemas.microsoft.com/office/drawing/2014/main" id="{67405F69-5223-48FE-BC8F-BAA54F6C8B44}"/>
+              </a:ext>
+            </a:extLst>
+          </p:cNvPr>
+          <p:cNvSpPr txBox="1"/>
+          <p:nvPr/>
+        </p:nvSpPr>
+        <p:spPr>
+          <a:xfrm>
+            <a:off x="5561238" y="4404060"/>
+            <a:ext cx="1069524" cy="369332"/>
+          </a:xfrm>
+          <a:prstGeom prst="rect">
+            <a:avLst/>
+          </a:prstGeom>
+          <a:noFill/>
+        </p:spPr>
+        <p:txBody>
+          <a:bodyPr wrap="none" rtlCol="0">
+            <a:spAutoFit/>
+          </a:bodyPr>
+          <a:lstStyle/>
+          <a:p>
+            <a:r>
+              <a:rPr lang="en-US" dirty="0">
+                <a:latin typeface="Times New Roman" panose="02020603050405020304" pitchFamily="18" charset="0"/>
+                <a:cs typeface="Times New Roman" panose="02020603050405020304" pitchFamily="18" charset="0"/>
+              </a:rPr>
+              <a:t>a) 0.2mm</a:t>
+            </a:r>
+          </a:p>
+        </p:txBody>
+      </p:sp>
+      <p:sp>
+        <p:nvSpPr>
+          <p:cNvPr id="9" name="TextBox 8">
+            <a:extLst>
+              <a:ext uri="{FF2B5EF4-FFF2-40B4-BE49-F238E27FC236}">
+                <a16:creationId xmlns:a16="http://schemas.microsoft.com/office/drawing/2014/main" id="{81AF11D0-1BBF-46B6-BD1A-1ED2A4A9E555}"/>
+              </a:ext>
+            </a:extLst>
+          </p:cNvPr>
+          <p:cNvSpPr txBox="1"/>
+          <p:nvPr/>
+        </p:nvSpPr>
+        <p:spPr>
+          <a:xfrm>
+            <a:off x="5701915" y="5209426"/>
+            <a:ext cx="1441315" cy="369332"/>
+          </a:xfrm>
+          <a:prstGeom prst="rect">
+            <a:avLst/>
+          </a:prstGeom>
+          <a:noFill/>
+        </p:spPr>
+        <p:txBody>
+          <a:bodyPr wrap="square" rtlCol="0">
+            <a:spAutoFit/>
+          </a:bodyPr>
+          <a:lstStyle/>
+          <a:p>
+            <a:r>
+              <a:rPr lang="en-US" dirty="0">
+                <a:latin typeface="Times New Roman" panose="02020603050405020304" pitchFamily="18" charset="0"/>
+                <a:cs typeface="Times New Roman" panose="02020603050405020304" pitchFamily="18" charset="0"/>
+              </a:rPr>
+              <a:t>b) 0.8 mm</a:t>
+            </a:r>
+          </a:p>
+        </p:txBody>
+      </p:sp>
+      <p:sp>
+        <p:nvSpPr>
+          <p:cNvPr id="10" name="TextBox 9">
+            <a:extLst>
+              <a:ext uri="{FF2B5EF4-FFF2-40B4-BE49-F238E27FC236}">
+                <a16:creationId xmlns:a16="http://schemas.microsoft.com/office/drawing/2014/main" id="{4A37359D-418A-44BE-B903-5F9C7F2AF3C8}"/>
+              </a:ext>
+            </a:extLst>
+          </p:cNvPr>
+          <p:cNvSpPr txBox="1"/>
+          <p:nvPr/>
+        </p:nvSpPr>
+        <p:spPr>
+          <a:xfrm>
+            <a:off x="3049769" y="5400812"/>
+            <a:ext cx="896399" cy="369332"/>
+          </a:xfrm>
+          <a:prstGeom prst="rect">
+            <a:avLst/>
+          </a:prstGeom>
+          <a:noFill/>
+        </p:spPr>
+        <p:txBody>
+          <a:bodyPr wrap="none" rtlCol="0">
+            <a:spAutoFit/>
+          </a:bodyPr>
+          <a:lstStyle/>
+          <a:p>
+            <a:r>
+              <a:rPr lang="en-US" dirty="0">
+                <a:latin typeface="Times New Roman" panose="02020603050405020304" pitchFamily="18" charset="0"/>
+                <a:cs typeface="Times New Roman" panose="02020603050405020304" pitchFamily="18" charset="0"/>
+              </a:rPr>
+              <a:t>c) 2mm</a:t>
+            </a:r>
+          </a:p>
+        </p:txBody>
+      </p:sp>
+    </p:spTree>
+    <p:extLst>
+      <p:ext uri="{BB962C8B-B14F-4D97-AF65-F5344CB8AC3E}">
+        <p14:creationId xmlns:p14="http://schemas.microsoft.com/office/powerpoint/2010/main" val="3795873533"/>
+      </p:ext>
+    </p:extLst>
+  </p:cSld>
+  <p:clrMapOvr>
+    <a:masterClrMapping/>
+  </p:clrMapOvr>
+</p:sld>
+</file>
+
+<file path=ppt/slides/slide5.xml><?xml version="1.0" encoding="utf-8"?>
+<p:sld xmlns:a="http://schemas.openxmlformats.org/drawingml/2006/main" xmlns:r="http://schemas.openxmlformats.org/officeDocument/2006/relationships" xmlns:p="http://schemas.openxmlformats.org/presentationml/2006/main">
+  <p:cSld>
+    <p:spTree>
+      <p:nvGrpSpPr>
+        <p:cNvPr id="1" name=""/>
+        <p:cNvGrpSpPr/>
+        <p:nvPr/>
+      </p:nvGrpSpPr>
+      <p:grpSpPr>
+        <a:xfrm>
+          <a:off x="0" y="0"/>
+          <a:ext cx="0" cy="0"/>
+          <a:chOff x="0" y="0"/>
+          <a:chExt cx="0" cy="0"/>
+        </a:xfrm>
+      </p:grpSpPr>
+      <p:pic>
+        <p:nvPicPr>
+          <p:cNvPr id="2" name="Picture 1">
+            <a:extLst>
+              <a:ext uri="{FF2B5EF4-FFF2-40B4-BE49-F238E27FC236}">
+                <a16:creationId xmlns:a16="http://schemas.microsoft.com/office/drawing/2014/main" id="{AE751155-F079-4C57-8651-7E2735CAD5E3}"/>
+              </a:ext>
+            </a:extLst>
+          </p:cNvPr>
+          <p:cNvPicPr>
+            <a:picLocks noChangeAspect="1"/>
+          </p:cNvPicPr>
+          <p:nvPr/>
+        </p:nvPicPr>
+        <p:blipFill>
+          <a:blip r:embed="rId2">
+            <a:extLst>
+              <a:ext uri="{28A0092B-C50C-407E-A947-70E740481C1C}">
+                <a14:useLocalDpi xmlns:a14="http://schemas.microsoft.com/office/drawing/2010/main" val="0"/>
+              </a:ext>
+            </a:extLst>
+          </a:blip>
+          <a:srcRect/>
+          <a:stretch/>
+        </p:blipFill>
+        <p:spPr>
+          <a:xfrm>
+            <a:off x="375131" y="169979"/>
+            <a:ext cx="3657600" cy="2743199"/>
+          </a:xfrm>
+          <a:prstGeom prst="rect">
+            <a:avLst/>
+          </a:prstGeom>
+        </p:spPr>
+      </p:pic>
+      <p:pic>
+        <p:nvPicPr>
+          <p:cNvPr id="3" name="Picture 2">
+            <a:extLst>
+              <a:ext uri="{FF2B5EF4-FFF2-40B4-BE49-F238E27FC236}">
+                <a16:creationId xmlns:a16="http://schemas.microsoft.com/office/drawing/2014/main" id="{D7D7AE6C-7559-40BF-A75D-A0D5EF42C87F}"/>
+              </a:ext>
+            </a:extLst>
+          </p:cNvPr>
+          <p:cNvPicPr>
+            <a:picLocks noChangeAspect="1"/>
+          </p:cNvPicPr>
+          <p:nvPr/>
+        </p:nvPicPr>
+        <p:blipFill>
+          <a:blip r:embed="rId3">
+            <a:extLst>
+              <a:ext uri="{28A0092B-C50C-407E-A947-70E740481C1C}">
+                <a14:useLocalDpi xmlns:a14="http://schemas.microsoft.com/office/drawing/2010/main" val="0"/>
+              </a:ext>
+            </a:extLst>
+          </a:blip>
+          <a:srcRect/>
+          <a:stretch/>
+        </p:blipFill>
+        <p:spPr>
+          <a:xfrm>
+            <a:off x="3915493" y="169979"/>
+            <a:ext cx="3657600" cy="2743199"/>
+          </a:xfrm>
+          <a:prstGeom prst="rect">
+            <a:avLst/>
+          </a:prstGeom>
+        </p:spPr>
+      </p:pic>
+      <p:pic>
+        <p:nvPicPr>
+          <p:cNvPr id="4" name="Picture 3">
+            <a:extLst>
+              <a:ext uri="{FF2B5EF4-FFF2-40B4-BE49-F238E27FC236}">
+                <a16:creationId xmlns:a16="http://schemas.microsoft.com/office/drawing/2014/main" id="{261D12D3-BBD6-44A6-B4FE-019FF0ECCE48}"/>
+              </a:ext>
+            </a:extLst>
+          </p:cNvPr>
+          <p:cNvPicPr>
+            <a:picLocks noChangeAspect="1"/>
+          </p:cNvPicPr>
+          <p:nvPr/>
+        </p:nvPicPr>
+        <p:blipFill>
+          <a:blip r:embed="rId4">
+            <a:extLst>
+              <a:ext uri="{28A0092B-C50C-407E-A947-70E740481C1C}">
+                <a14:useLocalDpi xmlns:a14="http://schemas.microsoft.com/office/drawing/2010/main" val="0"/>
+              </a:ext>
+            </a:extLst>
+          </a:blip>
+          <a:srcRect/>
+          <a:stretch/>
+        </p:blipFill>
+        <p:spPr>
+          <a:xfrm>
+            <a:off x="7573093" y="169979"/>
+            <a:ext cx="3657600" cy="2743199"/>
+          </a:xfrm>
+          <a:prstGeom prst="rect">
+            <a:avLst/>
+          </a:prstGeom>
+        </p:spPr>
+      </p:pic>
+    </p:spTree>
+    <p:extLst>
+      <p:ext uri="{BB962C8B-B14F-4D97-AF65-F5344CB8AC3E}">
+        <p14:creationId xmlns:p14="http://schemas.microsoft.com/office/powerpoint/2010/main" val="3759436417"/>
+      </p:ext>
+    </p:extLst>
+  </p:cSld>
+  <p:clrMapOvr>
+    <a:masterClrMapping/>
+  </p:clrMapOvr>
+</p:sld>
+</file>
+
+<file path=ppt/slides/slide6.xml><?xml version="1.0" encoding="utf-8"?>
+<p:sld xmlns:a="http://schemas.openxmlformats.org/drawingml/2006/main" xmlns:r="http://schemas.openxmlformats.org/officeDocument/2006/relationships" xmlns:p="http://schemas.openxmlformats.org/presentationml/2006/main">
+  <p:cSld>
+    <p:spTree>
+      <p:nvGrpSpPr>
+        <p:cNvPr id="1" name=""/>
+        <p:cNvGrpSpPr/>
+        <p:nvPr/>
+      </p:nvGrpSpPr>
+      <p:grpSpPr>
+        <a:xfrm>
+          <a:off x="0" y="0"/>
+          <a:ext cx="0" cy="0"/>
+          <a:chOff x="0" y="0"/>
+          <a:chExt cx="0" cy="0"/>
+        </a:xfrm>
+      </p:grpSpPr>
+      <p:pic>
+        <p:nvPicPr>
+          <p:cNvPr id="2" name="Picture 1">
+            <a:extLst>
+              <a:ext uri="{FF2B5EF4-FFF2-40B4-BE49-F238E27FC236}">
+                <a16:creationId xmlns:a16="http://schemas.microsoft.com/office/drawing/2014/main" id="{AE751155-F079-4C57-8651-7E2735CAD5E3}"/>
+              </a:ext>
+            </a:extLst>
+          </p:cNvPr>
+          <p:cNvPicPr>
+            <a:picLocks noChangeAspect="1"/>
+          </p:cNvPicPr>
+          <p:nvPr/>
+        </p:nvPicPr>
+        <p:blipFill>
+          <a:blip r:embed="rId2">
+            <a:extLst>
+              <a:ext uri="{28A0092B-C50C-407E-A947-70E740481C1C}">
+                <a14:useLocalDpi xmlns:a14="http://schemas.microsoft.com/office/drawing/2010/main" val="0"/>
+              </a:ext>
+            </a:extLst>
+          </a:blip>
+          <a:srcRect/>
+          <a:stretch/>
+        </p:blipFill>
+        <p:spPr>
+          <a:xfrm>
+            <a:off x="375132" y="169979"/>
+            <a:ext cx="3657598" cy="2743199"/>
+          </a:xfrm>
+          <a:prstGeom prst="rect">
+            <a:avLst/>
+          </a:prstGeom>
+        </p:spPr>
+      </p:pic>
+      <p:pic>
+        <p:nvPicPr>
+          <p:cNvPr id="3" name="Picture 2">
+            <a:extLst>
+              <a:ext uri="{FF2B5EF4-FFF2-40B4-BE49-F238E27FC236}">
+                <a16:creationId xmlns:a16="http://schemas.microsoft.com/office/drawing/2014/main" id="{D7D7AE6C-7559-40BF-A75D-A0D5EF42C87F}"/>
+              </a:ext>
+            </a:extLst>
+          </p:cNvPr>
+          <p:cNvPicPr>
+            <a:picLocks noChangeAspect="1"/>
+          </p:cNvPicPr>
+          <p:nvPr/>
+        </p:nvPicPr>
+        <p:blipFill>
+          <a:blip r:embed="rId3">
+            <a:extLst>
+              <a:ext uri="{28A0092B-C50C-407E-A947-70E740481C1C}">
+                <a14:useLocalDpi xmlns:a14="http://schemas.microsoft.com/office/drawing/2010/main" val="0"/>
+              </a:ext>
+            </a:extLst>
+          </a:blip>
+          <a:srcRect/>
+          <a:stretch/>
+        </p:blipFill>
+        <p:spPr>
+          <a:xfrm>
+            <a:off x="3915494" y="169979"/>
+            <a:ext cx="3657598" cy="2743199"/>
+          </a:xfrm>
+          <a:prstGeom prst="rect">
+            <a:avLst/>
+          </a:prstGeom>
+        </p:spPr>
+      </p:pic>
+      <p:pic>
+        <p:nvPicPr>
+          <p:cNvPr id="4" name="Picture 3">
+            <a:extLst>
+              <a:ext uri="{FF2B5EF4-FFF2-40B4-BE49-F238E27FC236}">
+                <a16:creationId xmlns:a16="http://schemas.microsoft.com/office/drawing/2014/main" id="{261D12D3-BBD6-44A6-B4FE-019FF0ECCE48}"/>
+              </a:ext>
+            </a:extLst>
+          </p:cNvPr>
+          <p:cNvPicPr>
+            <a:picLocks noChangeAspect="1"/>
+          </p:cNvPicPr>
+          <p:nvPr/>
+        </p:nvPicPr>
+        <p:blipFill>
+          <a:blip r:embed="rId4">
+            <a:extLst>
+              <a:ext uri="{28A0092B-C50C-407E-A947-70E740481C1C}">
+                <a14:useLocalDpi xmlns:a14="http://schemas.microsoft.com/office/drawing/2010/main" val="0"/>
+              </a:ext>
+            </a:extLst>
+          </a:blip>
+          <a:srcRect/>
+          <a:stretch/>
+        </p:blipFill>
+        <p:spPr>
+          <a:xfrm>
+            <a:off x="7573094" y="169979"/>
+            <a:ext cx="3657598" cy="2743199"/>
+          </a:xfrm>
+          <a:prstGeom prst="rect">
+            <a:avLst/>
+          </a:prstGeom>
+        </p:spPr>
+      </p:pic>
+    </p:spTree>
+    <p:extLst>
+      <p:ext uri="{BB962C8B-B14F-4D97-AF65-F5344CB8AC3E}">
+        <p14:creationId xmlns:p14="http://schemas.microsoft.com/office/powerpoint/2010/main" val="2037534796"/>
+      </p:ext>
+    </p:extLst>
+  </p:cSld>
+  <p:clrMapOvr>
+    <a:masterClrMapping/>
+  </p:clrMapOvr>
+</p:sld>
+</file>
+
 <file path=ppt/theme/theme1.xml><?xml version="1.0" encoding="utf-8"?>
 <a:theme xmlns:a="http://schemas.openxmlformats.org/drawingml/2006/main" name="Office Theme">
   <a:themeElements>
